--- a/Uke 43/Uke 43.pptx
+++ b/Uke 43/Uke 43.pptx
@@ -105,6 +105,11 @@
       </a:defRPr>
     </a:lvl9pPr>
   </p:defaultTextStyle>
+  <p:extLst>
+    <p:ext uri="{EFAFB233-063F-42B5-8137-9DF3F51BA10A}">
+      <p15:sldGuideLst xmlns:p15="http://schemas.microsoft.com/office/powerpoint/2012/main"/>
+    </p:ext>
+  </p:extLst>
 </p:presentation>
 </file>
 
@@ -113,10 +118,25 @@
   <pc:docChgLst>
     <pc:chgData name="Aizan Magomadova" userId="b3d38ecc-02a7-4810-ad44-0e9f513517c5" providerId="ADAL" clId="{00FE9AB6-37B1-4D3F-A41C-772E9A70E67A}"/>
     <pc:docChg chg="modSld">
-      <pc:chgData name="Aizan Magomadova" userId="b3d38ecc-02a7-4810-ad44-0e9f513517c5" providerId="ADAL" clId="{00FE9AB6-37B1-4D3F-A41C-772E9A70E67A}" dt="2019-10-23T18:44:22.763" v="20" actId="20577"/>
+      <pc:chgData name="Aizan Magomadova" userId="b3d38ecc-02a7-4810-ad44-0e9f513517c5" providerId="ADAL" clId="{00FE9AB6-37B1-4D3F-A41C-772E9A70E67A}" dt="2019-10-24T06:52:36.657" v="34" actId="20577"/>
       <pc:docMkLst>
         <pc:docMk/>
       </pc:docMkLst>
+      <pc:sldChg chg="modSp">
+        <pc:chgData name="Aizan Magomadova" userId="b3d38ecc-02a7-4810-ad44-0e9f513517c5" providerId="ADAL" clId="{00FE9AB6-37B1-4D3F-A41C-772E9A70E67A}" dt="2019-10-24T06:52:36.657" v="34" actId="20577"/>
+        <pc:sldMkLst>
+          <pc:docMk/>
+          <pc:sldMk cId="3806683947" sldId="256"/>
+        </pc:sldMkLst>
+        <pc:spChg chg="mod">
+          <ac:chgData name="Aizan Magomadova" userId="b3d38ecc-02a7-4810-ad44-0e9f513517c5" providerId="ADAL" clId="{00FE9AB6-37B1-4D3F-A41C-772E9A70E67A}" dt="2019-10-24T06:52:36.657" v="34" actId="20577"/>
+          <ac:spMkLst>
+            <pc:docMk/>
+            <pc:sldMk cId="3806683947" sldId="256"/>
+            <ac:spMk id="2" creationId="{4F4EBCBA-D8F8-479A-90BC-46A0C5F0B158}"/>
+          </ac:spMkLst>
+        </pc:spChg>
+      </pc:sldChg>
       <pc:sldChg chg="modSp">
         <pc:chgData name="Aizan Magomadova" userId="b3d38ecc-02a7-4810-ad44-0e9f513517c5" providerId="ADAL" clId="{00FE9AB6-37B1-4D3F-A41C-772E9A70E67A}" dt="2019-10-23T18:44:22.763" v="20" actId="20577"/>
         <pc:sldMkLst>
@@ -292,7 +312,7 @@
           <a:p>
             <a:fld id="{15916786-C16A-4426-BE67-E2331162BFFD}" type="datetimeFigureOut">
               <a:rPr lang="nb-NO" smtClean="0"/>
-              <a:t>23.10.2019</a:t>
+              <a:t>24.10.2019</a:t>
             </a:fld>
             <a:endParaRPr lang="nb-NO"/>
           </a:p>
@@ -490,7 +510,7 @@
           <a:p>
             <a:fld id="{15916786-C16A-4426-BE67-E2331162BFFD}" type="datetimeFigureOut">
               <a:rPr lang="nb-NO" smtClean="0"/>
-              <a:t>23.10.2019</a:t>
+              <a:t>24.10.2019</a:t>
             </a:fld>
             <a:endParaRPr lang="nb-NO"/>
           </a:p>
@@ -698,7 +718,7 @@
           <a:p>
             <a:fld id="{15916786-C16A-4426-BE67-E2331162BFFD}" type="datetimeFigureOut">
               <a:rPr lang="nb-NO" smtClean="0"/>
-              <a:t>23.10.2019</a:t>
+              <a:t>24.10.2019</a:t>
             </a:fld>
             <a:endParaRPr lang="nb-NO"/>
           </a:p>
@@ -896,7 +916,7 @@
           <a:p>
             <a:fld id="{15916786-C16A-4426-BE67-E2331162BFFD}" type="datetimeFigureOut">
               <a:rPr lang="nb-NO" smtClean="0"/>
-              <a:t>23.10.2019</a:t>
+              <a:t>24.10.2019</a:t>
             </a:fld>
             <a:endParaRPr lang="nb-NO"/>
           </a:p>
@@ -1171,7 +1191,7 @@
           <a:p>
             <a:fld id="{15916786-C16A-4426-BE67-E2331162BFFD}" type="datetimeFigureOut">
               <a:rPr lang="nb-NO" smtClean="0"/>
-              <a:t>23.10.2019</a:t>
+              <a:t>24.10.2019</a:t>
             </a:fld>
             <a:endParaRPr lang="nb-NO"/>
           </a:p>
@@ -1436,7 +1456,7 @@
           <a:p>
             <a:fld id="{15916786-C16A-4426-BE67-E2331162BFFD}" type="datetimeFigureOut">
               <a:rPr lang="nb-NO" smtClean="0"/>
-              <a:t>23.10.2019</a:t>
+              <a:t>24.10.2019</a:t>
             </a:fld>
             <a:endParaRPr lang="nb-NO"/>
           </a:p>
@@ -1848,7 +1868,7 @@
           <a:p>
             <a:fld id="{15916786-C16A-4426-BE67-E2331162BFFD}" type="datetimeFigureOut">
               <a:rPr lang="nb-NO" smtClean="0"/>
-              <a:t>23.10.2019</a:t>
+              <a:t>24.10.2019</a:t>
             </a:fld>
             <a:endParaRPr lang="nb-NO"/>
           </a:p>
@@ -1989,7 +2009,7 @@
           <a:p>
             <a:fld id="{15916786-C16A-4426-BE67-E2331162BFFD}" type="datetimeFigureOut">
               <a:rPr lang="nb-NO" smtClean="0"/>
-              <a:t>23.10.2019</a:t>
+              <a:t>24.10.2019</a:t>
             </a:fld>
             <a:endParaRPr lang="nb-NO"/>
           </a:p>
@@ -2102,7 +2122,7 @@
           <a:p>
             <a:fld id="{15916786-C16A-4426-BE67-E2331162BFFD}" type="datetimeFigureOut">
               <a:rPr lang="nb-NO" smtClean="0"/>
-              <a:t>23.10.2019</a:t>
+              <a:t>24.10.2019</a:t>
             </a:fld>
             <a:endParaRPr lang="nb-NO"/>
           </a:p>
@@ -2413,7 +2433,7 @@
           <a:p>
             <a:fld id="{15916786-C16A-4426-BE67-E2331162BFFD}" type="datetimeFigureOut">
               <a:rPr lang="nb-NO" smtClean="0"/>
-              <a:t>23.10.2019</a:t>
+              <a:t>24.10.2019</a:t>
             </a:fld>
             <a:endParaRPr lang="nb-NO"/>
           </a:p>
@@ -2701,7 +2721,7 @@
           <a:p>
             <a:fld id="{15916786-C16A-4426-BE67-E2331162BFFD}" type="datetimeFigureOut">
               <a:rPr lang="nb-NO" smtClean="0"/>
-              <a:t>23.10.2019</a:t>
+              <a:t>24.10.2019</a:t>
             </a:fld>
             <a:endParaRPr lang="nb-NO"/>
           </a:p>
@@ -2942,7 +2962,7 @@
           <a:p>
             <a:fld id="{15916786-C16A-4426-BE67-E2331162BFFD}" type="datetimeFigureOut">
               <a:rPr lang="nb-NO" smtClean="0"/>
-              <a:t>23.10.2019</a:t>
+              <a:t>24.10.2019</a:t>
             </a:fld>
             <a:endParaRPr lang="nb-NO"/>
           </a:p>
@@ -3382,9 +3402,12 @@
           <a:p>
             <a:r>
               <a:rPr lang="nb-NO" dirty="0" err="1"/>
-              <a:t>Array</a:t>
-            </a:r>
-            <a:endParaRPr lang="nb-NO" dirty="0"/>
+              <a:t>Arrayer</a:t>
+            </a:r>
+            <a:r>
+              <a:rPr lang="nb-NO" dirty="0"/>
+              <a:t> og objekter</a:t>
+            </a:r>
           </a:p>
         </p:txBody>
       </p:sp>
@@ -3843,6 +3866,21 @@
 </file>
 
 <file path=customXml/item1.xml><?xml version="1.0" encoding="utf-8"?>
+<p:properties xmlns:p="http://schemas.microsoft.com/office/2006/metadata/properties" xmlns:xsi="http://www.w3.org/2001/XMLSchema-instance" xmlns:pc="http://schemas.microsoft.com/office/infopath/2007/PartnerControls">
+  <documentManagement/>
+</p:properties>
+</file>
+
+<file path=customXml/item2.xml><?xml version="1.0" encoding="utf-8"?>
+<?mso-contentType ?>
+<FormTemplates xmlns="http://schemas.microsoft.com/sharepoint/v3/contenttype/forms">
+  <Display>DocumentLibraryForm</Display>
+  <Edit>DocumentLibraryForm</Edit>
+  <New>DocumentLibraryForm</New>
+</FormTemplates>
+</file>
+
+<file path=customXml/item3.xml><?xml version="1.0" encoding="utf-8"?>
 <ct:contentTypeSchema xmlns:ct="http://schemas.microsoft.com/office/2006/metadata/contentType" xmlns:ma="http://schemas.microsoft.com/office/2006/metadata/properties/metaAttributes" ct:_="" ma:_="" ma:contentTypeName="Dokument" ma:contentTypeID="0x01010045865D2A2404A340A9116C967D5A8A18" ma:contentTypeVersion="8" ma:contentTypeDescription="Opprett et nytt dokument." ma:contentTypeScope="" ma:versionID="c1170821e5ddd0badc770b112e96b910">
   <xsd:schema xmlns:xsd="http://www.w3.org/2001/XMLSchema" xmlns:xs="http://www.w3.org/2001/XMLSchema" xmlns:p="http://schemas.microsoft.com/office/2006/metadata/properties" xmlns:ns3="7ee59893-5bfb-4ba5-ba61-3f9ac5a63a3a" targetNamespace="http://schemas.microsoft.com/office/2006/metadata/properties" ma:root="true" ma:fieldsID="105b5d8b40729520ebc3a32ed622274c" ns3:_="">
     <xsd:import namespace="7ee59893-5bfb-4ba5-ba61-3f9ac5a63a3a"/>
@@ -4012,22 +4050,24 @@
 </ct:contentTypeSchema>
 </file>
 
-<file path=customXml/item2.xml><?xml version="1.0" encoding="utf-8"?>
-<?mso-contentType ?>
-<FormTemplates xmlns="http://schemas.microsoft.com/sharepoint/v3/contenttype/forms">
-  <Display>DocumentLibraryForm</Display>
-  <Edit>DocumentLibraryForm</Edit>
-  <New>DocumentLibraryForm</New>
-</FormTemplates>
+<file path=customXml/itemProps1.xml><?xml version="1.0" encoding="utf-8"?>
+<ds:datastoreItem xmlns:ds="http://schemas.openxmlformats.org/officeDocument/2006/customXml" ds:itemID="{C1234D42-3CF5-4CA0-9522-7ABF8CFE711F}">
+  <ds:schemaRefs>
+    <ds:schemaRef ds:uri="http://schemas.microsoft.com/office/2006/metadata/properties"/>
+    <ds:schemaRef ds:uri="http://schemas.microsoft.com/office/infopath/2007/PartnerControls"/>
+  </ds:schemaRefs>
+</ds:datastoreItem>
 </file>
 
-<file path=customXml/item3.xml><?xml version="1.0" encoding="utf-8"?>
-<p:properties xmlns:p="http://schemas.microsoft.com/office/2006/metadata/properties" xmlns:xsi="http://www.w3.org/2001/XMLSchema-instance" xmlns:pc="http://schemas.microsoft.com/office/infopath/2007/PartnerControls">
-  <documentManagement/>
-</p:properties>
+<file path=customXml/itemProps2.xml><?xml version="1.0" encoding="utf-8"?>
+<ds:datastoreItem xmlns:ds="http://schemas.openxmlformats.org/officeDocument/2006/customXml" ds:itemID="{94CED021-FFDE-4551-A9FB-2DCE7DA87198}">
+  <ds:schemaRefs>
+    <ds:schemaRef ds:uri="http://schemas.microsoft.com/sharepoint/v3/contenttype/forms"/>
+  </ds:schemaRefs>
+</ds:datastoreItem>
 </file>
 
-<file path=customXml/itemProps1.xml><?xml version="1.0" encoding="utf-8"?>
+<file path=customXml/itemProps3.xml><?xml version="1.0" encoding="utf-8"?>
 <ds:datastoreItem xmlns:ds="http://schemas.openxmlformats.org/officeDocument/2006/customXml" ds:itemID="{F571E001-786A-4FA8-8D72-94AC44B839EC}">
   <ds:schemaRefs>
     <ds:schemaRef ds:uri="http://schemas.microsoft.com/office/2006/metadata/contentType"/>
@@ -4043,28 +4083,4 @@
     <ds:schemaRef ds:uri="http://schemas.microsoft.com/internal/obd"/>
   </ds:schemaRefs>
 </ds:datastoreItem>
-</file>
-
-<file path=customXml/itemProps2.xml><?xml version="1.0" encoding="utf-8"?>
-<ds:datastoreItem xmlns:ds="http://schemas.openxmlformats.org/officeDocument/2006/customXml" ds:itemID="{94CED021-FFDE-4551-A9FB-2DCE7DA87198}">
-  <ds:schemaRefs>
-    <ds:schemaRef ds:uri="http://schemas.microsoft.com/sharepoint/v3/contenttype/forms"/>
-  </ds:schemaRefs>
-</ds:datastoreItem>
-</file>
-
-<file path=customXml/itemProps3.xml><?xml version="1.0" encoding="utf-8"?>
-<ds:datastoreItem xmlns:ds="http://schemas.openxmlformats.org/officeDocument/2006/customXml" ds:itemID="{C1234D42-3CF5-4CA0-9522-7ABF8CFE711F}">
-  <ds:schemaRefs>
-    <ds:schemaRef ds:uri="http://schemas.openxmlformats.org/package/2006/metadata/core-properties"/>
-    <ds:schemaRef ds:uri="http://www.w3.org/XML/1998/namespace"/>
-    <ds:schemaRef ds:uri="http://schemas.microsoft.com/office/infopath/2007/PartnerControls"/>
-    <ds:schemaRef ds:uri="http://purl.org/dc/terms/"/>
-    <ds:schemaRef ds:uri="http://schemas.microsoft.com/office/2006/metadata/properties"/>
-    <ds:schemaRef ds:uri="http://schemas.microsoft.com/office/2006/documentManagement/types"/>
-    <ds:schemaRef ds:uri="7ee59893-5bfb-4ba5-ba61-3f9ac5a63a3a"/>
-    <ds:schemaRef ds:uri="http://purl.org/dc/elements/1.1/"/>
-    <ds:schemaRef ds:uri="http://purl.org/dc/dcmitype/"/>
-  </ds:schemaRefs>
-</ds:datastoreItem>
 </file>